--- a/a_asset/n_02_UIUX콘셉트기획/uiux콘셉트기획_제출양식.pptx
+++ b/a_asset/n_02_UIUX콘셉트기획/uiux콘셉트기획_제출양식.pptx
@@ -10,7 +10,9 @@
     <p:sldId id="257" r:id="rId4"/>
     <p:sldId id="261" r:id="rId5"/>
     <p:sldId id="262" r:id="rId6"/>
-    <p:sldId id="260" r:id="rId7"/>
+    <p:sldId id="263" r:id="rId7"/>
+    <p:sldId id="264" r:id="rId8"/>
+    <p:sldId id="260" r:id="rId9"/>
   </p:sldIdLst>
   <p:sldSz cx="6858000" cy="9906000" type="A4"/>
   <p:notesSz cx="6858000" cy="9144000"/>
@@ -5244,6 +5246,18 @@
               </a:rPr>
               <a:t>프로토타입 제작</a:t>
             </a:r>
+            <a:r>
+              <a:rPr lang="en-US" altLang="ko-KR" dirty="0">
+                <a:latin typeface="+mj-ea"/>
+              </a:rPr>
+              <a:t>- </a:t>
+            </a:r>
+            <a:r>
+              <a:rPr lang="ko-KR" altLang="en-US" dirty="0">
+                <a:latin typeface="+mj-ea"/>
+              </a:rPr>
+              <a:t>레이어 구조</a:t>
+            </a:r>
           </a:p>
         </p:txBody>
       </p:sp>
@@ -5298,11 +5312,11 @@
           <a:p>
             <a:r>
               <a:rPr lang="ko-KR" altLang="en-US" dirty="0"/>
-              <a:t>프로토타입 </a:t>
+              <a:t>레이어 캡쳐</a:t>
             </a:r>
             <a:r>
               <a:rPr lang="en-US" altLang="ko-KR" dirty="0"/>
-              <a:t>- step_01</a:t>
+              <a:t>_01</a:t>
             </a:r>
             <a:endParaRPr lang="ko-KR" altLang="en-US" dirty="0"/>
           </a:p>
@@ -5331,11 +5345,11 @@
           <a:p>
             <a:r>
               <a:rPr lang="ko-KR" altLang="en-US" dirty="0"/>
-              <a:t>프로토타입 </a:t>
+              <a:t>레이어 캡쳐</a:t>
             </a:r>
             <a:r>
               <a:rPr lang="en-US" altLang="ko-KR" dirty="0"/>
-              <a:t>- step_02</a:t>
+              <a:t>_02</a:t>
             </a:r>
             <a:endParaRPr lang="ko-KR" altLang="en-US" dirty="0"/>
           </a:p>
@@ -5440,17 +5454,8 @@
               <a:rPr lang="ko-KR" altLang="en-US" dirty="0">
                 <a:latin typeface="+mj-ea"/>
               </a:rPr>
-              <a:t>프로토타입 제작 </a:t>
-            </a:r>
-            <a:r>
-              <a:rPr lang="en-US" altLang="ko-KR" dirty="0">
-                <a:latin typeface="+mj-ea"/>
-              </a:rPr>
-              <a:t>2</a:t>
-            </a:r>
-            <a:endParaRPr lang="ko-KR" altLang="en-US" dirty="0">
-              <a:latin typeface="+mj-ea"/>
-            </a:endParaRPr>
+              <a:t>프로토타입 제작</a:t>
+            </a:r>
           </a:p>
         </p:txBody>
       </p:sp>
@@ -5509,12 +5514,30 @@
             </a:r>
             <a:r>
               <a:rPr lang="en-US" altLang="ko-KR" dirty="0"/>
-              <a:t>- </a:t>
+              <a:t>– </a:t>
             </a:r>
             <a:r>
               <a:rPr lang="ko-KR" altLang="en-US" dirty="0"/>
               <a:t>스마트폰</a:t>
             </a:r>
+            <a:endParaRPr lang="en-US" altLang="ko-KR" dirty="0"/>
+          </a:p>
+          <a:p>
+            <a:r>
+              <a:rPr lang="ko-KR" altLang="en-US" dirty="0"/>
+              <a:t>사이즈 규격</a:t>
+            </a:r>
+            <a:r>
+              <a:rPr lang="en-US" altLang="ko-KR" dirty="0"/>
+              <a:t>:</a:t>
+            </a:r>
+            <a:endParaRPr lang="ko-KR" altLang="en-US" dirty="0"/>
+          </a:p>
+          <a:p>
+            <a:pPr marL="0" indent="0">
+              <a:buNone/>
+            </a:pPr>
+            <a:endParaRPr lang="ko-KR" altLang="en-US" dirty="0"/>
           </a:p>
         </p:txBody>
       </p:sp>
@@ -5545,12 +5568,30 @@
             </a:r>
             <a:r>
               <a:rPr lang="en-US" altLang="ko-KR" dirty="0"/>
-              <a:t>- </a:t>
+              <a:t>– </a:t>
             </a:r>
             <a:r>
               <a:rPr lang="ko-KR" altLang="en-US" dirty="0"/>
               <a:t>태블릿</a:t>
             </a:r>
+            <a:endParaRPr lang="en-US" altLang="ko-KR" dirty="0"/>
+          </a:p>
+          <a:p>
+            <a:r>
+              <a:rPr lang="ko-KR" altLang="en-US" dirty="0"/>
+              <a:t>사이즈 규격</a:t>
+            </a:r>
+            <a:r>
+              <a:rPr lang="en-US" altLang="ko-KR" dirty="0"/>
+              <a:t>:</a:t>
+            </a:r>
+            <a:endParaRPr lang="ko-KR" altLang="en-US" dirty="0"/>
+          </a:p>
+          <a:p>
+            <a:pPr marL="0" indent="0">
+              <a:buNone/>
+            </a:pPr>
+            <a:endParaRPr lang="ko-KR" altLang="en-US" dirty="0"/>
           </a:p>
         </p:txBody>
       </p:sp>
@@ -5655,11 +5696,285 @@
               </a:rPr>
               <a:t>프로토타입 제작 </a:t>
             </a:r>
+          </a:p>
+        </p:txBody>
+      </p:sp>
+      <p:sp>
+        <p:nvSpPr>
+          <p:cNvPr id="12" name="부제목 11">
+            <a:extLst>
+              <a:ext uri="{FF2B5EF4-FFF2-40B4-BE49-F238E27FC236}">
+                <a16:creationId xmlns:a16="http://schemas.microsoft.com/office/drawing/2014/main" id="{12B48D64-601A-4C84-87C9-7D2FDAADE383}"/>
+              </a:ext>
+            </a:extLst>
+          </p:cNvPr>
+          <p:cNvSpPr>
+            <a:spLocks noGrp="1"/>
+          </p:cNvSpPr>
+          <p:nvPr>
+            <p:ph type="subTitle" idx="1"/>
+          </p:nvPr>
+        </p:nvSpPr>
+        <p:spPr/>
+        <p:txBody>
+          <a:bodyPr/>
+          <a:lstStyle/>
+          <a:p>
+            <a:r>
+              <a:rPr lang="ko-KR" altLang="en-US" dirty="0"/>
+              <a:t>디자인 제작을 위한 반응형 프로토타입 제작</a:t>
+            </a:r>
+          </a:p>
+        </p:txBody>
+      </p:sp>
+      <p:sp>
+        <p:nvSpPr>
+          <p:cNvPr id="13" name="텍스트 개체 틀 12">
+            <a:extLst>
+              <a:ext uri="{FF2B5EF4-FFF2-40B4-BE49-F238E27FC236}">
+                <a16:creationId xmlns:a16="http://schemas.microsoft.com/office/drawing/2014/main" id="{DD39B84C-D5B4-42B6-BDC8-5FBF39C8B7A0}"/>
+              </a:ext>
+            </a:extLst>
+          </p:cNvPr>
+          <p:cNvSpPr>
+            <a:spLocks noGrp="1"/>
+          </p:cNvSpPr>
+          <p:nvPr>
+            <p:ph type="body" sz="half" idx="2"/>
+          </p:nvPr>
+        </p:nvSpPr>
+        <p:spPr/>
+        <p:txBody>
+          <a:bodyPr/>
+          <a:lstStyle/>
+          <a:p>
+            <a:r>
+              <a:rPr lang="ko-KR" altLang="en-US" dirty="0"/>
+              <a:t>프로토타입 </a:t>
+            </a:r>
+            <a:r>
+              <a:rPr lang="en-US" altLang="ko-KR" dirty="0"/>
+              <a:t>– pc</a:t>
+            </a:r>
+          </a:p>
+          <a:p>
+            <a:r>
+              <a:rPr lang="ko-KR" altLang="en-US" dirty="0"/>
+              <a:t>사이즈 규격</a:t>
+            </a:r>
+            <a:r>
+              <a:rPr lang="en-US" altLang="ko-KR" dirty="0"/>
+              <a:t>:</a:t>
+            </a:r>
+            <a:endParaRPr lang="ko-KR" altLang="en-US" dirty="0"/>
+          </a:p>
+        </p:txBody>
+      </p:sp>
+    </p:spTree>
+    <p:extLst>
+      <p:ext uri="{BB962C8B-B14F-4D97-AF65-F5344CB8AC3E}">
+        <p14:creationId xmlns:p14="http://schemas.microsoft.com/office/powerpoint/2010/main" val="4292820569"/>
+      </p:ext>
+    </p:extLst>
+  </p:cSld>
+  <p:clrMapOvr>
+    <a:masterClrMapping/>
+  </p:clrMapOvr>
+</p:sld>
+</file>
+
+<file path=ppt/slides/slide6.xml><?xml version="1.0" encoding="utf-8"?>
+<p:sld xmlns:a="http://schemas.openxmlformats.org/drawingml/2006/main" xmlns:r="http://schemas.openxmlformats.org/officeDocument/2006/relationships" xmlns:p="http://schemas.openxmlformats.org/presentationml/2006/main">
+  <p:cSld>
+    <p:spTree>
+      <p:nvGrpSpPr>
+        <p:cNvPr id="1" name=""/>
+        <p:cNvGrpSpPr/>
+        <p:nvPr/>
+      </p:nvGrpSpPr>
+      <p:grpSpPr>
+        <a:xfrm>
+          <a:off x="0" y="0"/>
+          <a:ext cx="0" cy="0"/>
+          <a:chOff x="0" y="0"/>
+          <a:chExt cx="0" cy="0"/>
+        </a:xfrm>
+      </p:grpSpPr>
+      <p:sp>
+        <p:nvSpPr>
+          <p:cNvPr id="11" name="제목 10">
+            <a:extLst>
+              <a:ext uri="{FF2B5EF4-FFF2-40B4-BE49-F238E27FC236}">
+                <a16:creationId xmlns:a16="http://schemas.microsoft.com/office/drawing/2014/main" id="{052BAFA2-A82C-4390-84D2-667E51144838}"/>
+              </a:ext>
+            </a:extLst>
+          </p:cNvPr>
+          <p:cNvSpPr>
+            <a:spLocks noGrp="1"/>
+          </p:cNvSpPr>
+          <p:nvPr>
+            <p:ph type="ctrTitle"/>
+          </p:nvPr>
+        </p:nvSpPr>
+        <p:spPr/>
+        <p:txBody>
+          <a:bodyPr/>
+          <a:lstStyle/>
+          <a:p>
             <a:r>
               <a:rPr lang="en-US" altLang="ko-KR" dirty="0">
                 <a:latin typeface="+mj-ea"/>
               </a:rPr>
-              <a:t>2</a:t>
+              <a:t>02.  </a:t>
+            </a:r>
+            <a:r>
+              <a:rPr lang="ko-KR" altLang="en-US" dirty="0">
+                <a:latin typeface="+mj-ea"/>
+              </a:rPr>
+              <a:t>프로토타입 제작 </a:t>
+            </a:r>
+          </a:p>
+        </p:txBody>
+      </p:sp>
+      <p:sp>
+        <p:nvSpPr>
+          <p:cNvPr id="12" name="부제목 11">
+            <a:extLst>
+              <a:ext uri="{FF2B5EF4-FFF2-40B4-BE49-F238E27FC236}">
+                <a16:creationId xmlns:a16="http://schemas.microsoft.com/office/drawing/2014/main" id="{12B48D64-601A-4C84-87C9-7D2FDAADE383}"/>
+              </a:ext>
+            </a:extLst>
+          </p:cNvPr>
+          <p:cNvSpPr>
+            <a:spLocks noGrp="1"/>
+          </p:cNvSpPr>
+          <p:nvPr>
+            <p:ph type="subTitle" idx="1"/>
+          </p:nvPr>
+        </p:nvSpPr>
+        <p:spPr/>
+        <p:txBody>
+          <a:bodyPr/>
+          <a:lstStyle/>
+          <a:p>
+            <a:r>
+              <a:rPr lang="ko-KR" altLang="en-US" dirty="0"/>
+              <a:t>디자인 제작을 위한 반응형 프로토타입 제작</a:t>
+            </a:r>
+          </a:p>
+        </p:txBody>
+      </p:sp>
+      <p:sp>
+        <p:nvSpPr>
+          <p:cNvPr id="13" name="텍스트 개체 틀 12">
+            <a:extLst>
+              <a:ext uri="{FF2B5EF4-FFF2-40B4-BE49-F238E27FC236}">
+                <a16:creationId xmlns:a16="http://schemas.microsoft.com/office/drawing/2014/main" id="{DD39B84C-D5B4-42B6-BDC8-5FBF39C8B7A0}"/>
+              </a:ext>
+            </a:extLst>
+          </p:cNvPr>
+          <p:cNvSpPr>
+            <a:spLocks noGrp="1"/>
+          </p:cNvSpPr>
+          <p:nvPr>
+            <p:ph type="body" sz="half" idx="2"/>
+          </p:nvPr>
+        </p:nvSpPr>
+        <p:spPr/>
+        <p:txBody>
+          <a:bodyPr/>
+          <a:lstStyle/>
+          <a:p>
+            <a:r>
+              <a:rPr lang="ko-KR" altLang="en-US" dirty="0"/>
+              <a:t>프로토타입 </a:t>
+            </a:r>
+            <a:r>
+              <a:rPr lang="en-US" altLang="ko-KR" dirty="0"/>
+              <a:t>– pc-full</a:t>
+            </a:r>
+          </a:p>
+          <a:p>
+            <a:r>
+              <a:rPr lang="ko-KR" altLang="en-US" dirty="0"/>
+              <a:t>사이즈 규격</a:t>
+            </a:r>
+            <a:r>
+              <a:rPr lang="en-US" altLang="ko-KR" dirty="0"/>
+              <a:t>:</a:t>
+            </a:r>
+            <a:endParaRPr lang="ko-KR" altLang="en-US" dirty="0"/>
+          </a:p>
+        </p:txBody>
+      </p:sp>
+    </p:spTree>
+    <p:extLst>
+      <p:ext uri="{BB962C8B-B14F-4D97-AF65-F5344CB8AC3E}">
+        <p14:creationId xmlns:p14="http://schemas.microsoft.com/office/powerpoint/2010/main" val="991965580"/>
+      </p:ext>
+    </p:extLst>
+  </p:cSld>
+  <p:clrMapOvr>
+    <a:masterClrMapping/>
+  </p:clrMapOvr>
+</p:sld>
+</file>
+
+<file path=ppt/slides/slide7.xml><?xml version="1.0" encoding="utf-8"?>
+<p:sld xmlns:a="http://schemas.openxmlformats.org/drawingml/2006/main" xmlns:r="http://schemas.openxmlformats.org/officeDocument/2006/relationships" xmlns:p="http://schemas.openxmlformats.org/presentationml/2006/main">
+  <p:cSld>
+    <p:spTree>
+      <p:nvGrpSpPr>
+        <p:cNvPr id="1" name=""/>
+        <p:cNvGrpSpPr/>
+        <p:nvPr/>
+      </p:nvGrpSpPr>
+      <p:grpSpPr>
+        <a:xfrm>
+          <a:off x="0" y="0"/>
+          <a:ext cx="0" cy="0"/>
+          <a:chOff x="0" y="0"/>
+          <a:chExt cx="0" cy="0"/>
+        </a:xfrm>
+      </p:grpSpPr>
+      <p:sp>
+        <p:nvSpPr>
+          <p:cNvPr id="11" name="제목 10">
+            <a:extLst>
+              <a:ext uri="{FF2B5EF4-FFF2-40B4-BE49-F238E27FC236}">
+                <a16:creationId xmlns:a16="http://schemas.microsoft.com/office/drawing/2014/main" id="{052BAFA2-A82C-4390-84D2-667E51144838}"/>
+              </a:ext>
+            </a:extLst>
+          </p:cNvPr>
+          <p:cNvSpPr>
+            <a:spLocks noGrp="1"/>
+          </p:cNvSpPr>
+          <p:nvPr>
+            <p:ph type="ctrTitle"/>
+          </p:nvPr>
+        </p:nvSpPr>
+        <p:spPr/>
+        <p:txBody>
+          <a:bodyPr/>
+          <a:lstStyle/>
+          <a:p>
+            <a:r>
+              <a:rPr lang="en-US" altLang="ko-KR" dirty="0">
+                <a:latin typeface="+mj-ea"/>
+              </a:rPr>
+              <a:t>03.  </a:t>
+            </a:r>
+            <a:r>
+              <a:rPr lang="ko-KR" altLang="en-US" dirty="0">
+                <a:latin typeface="+mj-ea"/>
+              </a:rPr>
+              <a:t>페이지 제작을 위한 </a:t>
+            </a:r>
+            <a:r>
+              <a:rPr lang="ko-KR" altLang="en-US" dirty="0" err="1">
+                <a:latin typeface="+mj-ea"/>
+              </a:rPr>
+              <a:t>스타일가이즈</a:t>
             </a:r>
             <a:endParaRPr lang="ko-KR" altLang="en-US" dirty="0">
               <a:latin typeface="+mj-ea"/>
@@ -5690,7 +6005,7 @@
           <a:p>
             <a:r>
               <a:rPr lang="ko-KR" altLang="en-US" dirty="0"/>
-              <a:t>디자인 제작을 위한 반응형 프로토타입 제작</a:t>
+              <a:t>컬러 스타일 가이드</a:t>
             </a:r>
           </a:p>
         </p:txBody>
@@ -5717,56 +6032,220 @@
           <a:lstStyle/>
           <a:p>
             <a:r>
+              <a:rPr lang="ko-KR" altLang="en-US"/>
+              <a:t>기본 컬러 스타일 가이드</a:t>
+            </a:r>
+            <a:endParaRPr lang="ko-KR" altLang="en-US" dirty="0"/>
+          </a:p>
+        </p:txBody>
+      </p:sp>
+      <p:sp>
+        <p:nvSpPr>
+          <p:cNvPr id="9" name="텍스트 개체 틀 12">
+            <a:extLst>
+              <a:ext uri="{FF2B5EF4-FFF2-40B4-BE49-F238E27FC236}">
+                <a16:creationId xmlns:a16="http://schemas.microsoft.com/office/drawing/2014/main" id="{089B3C1C-C765-4383-A80F-22542A27C646}"/>
+              </a:ext>
+            </a:extLst>
+          </p:cNvPr>
+          <p:cNvSpPr txBox="1">
+            <a:spLocks/>
+          </p:cNvSpPr>
+          <p:nvPr/>
+        </p:nvSpPr>
+        <p:spPr>
+          <a:xfrm>
+            <a:off x="363510" y="5308119"/>
+            <a:ext cx="2859115" cy="312057"/>
+          </a:xfrm>
+          <a:prstGeom prst="rect">
+            <a:avLst/>
+          </a:prstGeom>
+        </p:spPr>
+        <p:txBody>
+          <a:bodyPr anchor="t"/>
+          <a:lstStyle>
+            <a:lvl1pPr marL="171450" indent="-171450" algn="l" defTabSz="685800" rtl="0" eaLnBrk="1" latinLnBrk="1" hangingPunct="1">
+              <a:lnSpc>
+                <a:spcPct val="100000"/>
+              </a:lnSpc>
+              <a:spcBef>
+                <a:spcPts val="300"/>
+              </a:spcBef>
+              <a:buClr>
+                <a:srgbClr val="2AB9C7"/>
+              </a:buClr>
+              <a:buSzPct val="100000"/>
+              <a:buFont typeface="Calibri" panose="020F0502020204030204" pitchFamily="34" charset="0"/>
+              <a:buChar char="•"/>
+              <a:defRPr sz="1100" kern="1200">
+                <a:solidFill>
+                  <a:srgbClr val="595959"/>
+                </a:solidFill>
+                <a:latin typeface="+mn-lt"/>
+                <a:ea typeface="+mn-ea"/>
+                <a:cs typeface="+mn-cs"/>
+              </a:defRPr>
+            </a:lvl1pPr>
+            <a:lvl2pPr marL="371466" indent="0" algn="l" defTabSz="685800" rtl="0" eaLnBrk="1" latinLnBrk="1" hangingPunct="1">
+              <a:lnSpc>
+                <a:spcPct val="90000"/>
+              </a:lnSpc>
+              <a:spcBef>
+                <a:spcPts val="375"/>
+              </a:spcBef>
+              <a:buFont typeface="Arial" panose="020B0604020202020204" pitchFamily="34" charset="0"/>
+              <a:buNone/>
+              <a:defRPr sz="1138" kern="1200">
+                <a:solidFill>
+                  <a:schemeClr val="tx1"/>
+                </a:solidFill>
+                <a:latin typeface="+mn-lt"/>
+                <a:ea typeface="+mn-ea"/>
+                <a:cs typeface="+mn-cs"/>
+              </a:defRPr>
+            </a:lvl2pPr>
+            <a:lvl3pPr marL="742931" indent="0" algn="l" defTabSz="685800" rtl="0" eaLnBrk="1" latinLnBrk="1" hangingPunct="1">
+              <a:lnSpc>
+                <a:spcPct val="90000"/>
+              </a:lnSpc>
+              <a:spcBef>
+                <a:spcPts val="375"/>
+              </a:spcBef>
+              <a:buFont typeface="Arial" panose="020B0604020202020204" pitchFamily="34" charset="0"/>
+              <a:buNone/>
+              <a:defRPr sz="975" kern="1200">
+                <a:solidFill>
+                  <a:schemeClr val="tx1"/>
+                </a:solidFill>
+                <a:latin typeface="+mn-lt"/>
+                <a:ea typeface="+mn-ea"/>
+                <a:cs typeface="+mn-cs"/>
+              </a:defRPr>
+            </a:lvl3pPr>
+            <a:lvl4pPr marL="1114397" indent="0" algn="l" defTabSz="685800" rtl="0" eaLnBrk="1" latinLnBrk="1" hangingPunct="1">
+              <a:lnSpc>
+                <a:spcPct val="90000"/>
+              </a:lnSpc>
+              <a:spcBef>
+                <a:spcPts val="375"/>
+              </a:spcBef>
+              <a:buFont typeface="Arial" panose="020B0604020202020204" pitchFamily="34" charset="0"/>
+              <a:buNone/>
+              <a:defRPr sz="813" kern="1200">
+                <a:solidFill>
+                  <a:schemeClr val="tx1"/>
+                </a:solidFill>
+                <a:latin typeface="+mn-lt"/>
+                <a:ea typeface="+mn-ea"/>
+                <a:cs typeface="+mn-cs"/>
+              </a:defRPr>
+            </a:lvl4pPr>
+            <a:lvl5pPr marL="1485863" indent="0" algn="l" defTabSz="685800" rtl="0" eaLnBrk="1" latinLnBrk="1" hangingPunct="1">
+              <a:lnSpc>
+                <a:spcPct val="90000"/>
+              </a:lnSpc>
+              <a:spcBef>
+                <a:spcPts val="375"/>
+              </a:spcBef>
+              <a:buFont typeface="Arial" panose="020B0604020202020204" pitchFamily="34" charset="0"/>
+              <a:buNone/>
+              <a:defRPr sz="813" kern="1200">
+                <a:solidFill>
+                  <a:schemeClr val="tx1"/>
+                </a:solidFill>
+                <a:latin typeface="+mn-lt"/>
+                <a:ea typeface="+mn-ea"/>
+                <a:cs typeface="+mn-cs"/>
+              </a:defRPr>
+            </a:lvl5pPr>
+            <a:lvl6pPr marL="1857329" indent="0" algn="l" defTabSz="685800" rtl="0" eaLnBrk="1" latinLnBrk="1" hangingPunct="1">
+              <a:lnSpc>
+                <a:spcPct val="90000"/>
+              </a:lnSpc>
+              <a:spcBef>
+                <a:spcPts val="375"/>
+              </a:spcBef>
+              <a:buFont typeface="Arial" panose="020B0604020202020204" pitchFamily="34" charset="0"/>
+              <a:buNone/>
+              <a:defRPr sz="813" kern="1200">
+                <a:solidFill>
+                  <a:schemeClr val="tx1"/>
+                </a:solidFill>
+                <a:latin typeface="+mn-lt"/>
+                <a:ea typeface="+mn-ea"/>
+                <a:cs typeface="+mn-cs"/>
+              </a:defRPr>
+            </a:lvl6pPr>
+            <a:lvl7pPr marL="2228794" indent="0" algn="l" defTabSz="685800" rtl="0" eaLnBrk="1" latinLnBrk="1" hangingPunct="1">
+              <a:lnSpc>
+                <a:spcPct val="90000"/>
+              </a:lnSpc>
+              <a:spcBef>
+                <a:spcPts val="375"/>
+              </a:spcBef>
+              <a:buFont typeface="Arial" panose="020B0604020202020204" pitchFamily="34" charset="0"/>
+              <a:buNone/>
+              <a:defRPr sz="813" kern="1200">
+                <a:solidFill>
+                  <a:schemeClr val="tx1"/>
+                </a:solidFill>
+                <a:latin typeface="+mn-lt"/>
+                <a:ea typeface="+mn-ea"/>
+                <a:cs typeface="+mn-cs"/>
+              </a:defRPr>
+            </a:lvl7pPr>
+            <a:lvl8pPr marL="2600260" indent="0" algn="l" defTabSz="685800" rtl="0" eaLnBrk="1" latinLnBrk="1" hangingPunct="1">
+              <a:lnSpc>
+                <a:spcPct val="90000"/>
+              </a:lnSpc>
+              <a:spcBef>
+                <a:spcPts val="375"/>
+              </a:spcBef>
+              <a:buFont typeface="Arial" panose="020B0604020202020204" pitchFamily="34" charset="0"/>
+              <a:buNone/>
+              <a:defRPr sz="813" kern="1200">
+                <a:solidFill>
+                  <a:schemeClr val="tx1"/>
+                </a:solidFill>
+                <a:latin typeface="+mn-lt"/>
+                <a:ea typeface="+mn-ea"/>
+                <a:cs typeface="+mn-cs"/>
+              </a:defRPr>
+            </a:lvl8pPr>
+            <a:lvl9pPr marL="2971726" indent="0" algn="l" defTabSz="685800" rtl="0" eaLnBrk="1" latinLnBrk="1" hangingPunct="1">
+              <a:lnSpc>
+                <a:spcPct val="90000"/>
+              </a:lnSpc>
+              <a:spcBef>
+                <a:spcPts val="375"/>
+              </a:spcBef>
+              <a:buFont typeface="Arial" panose="020B0604020202020204" pitchFamily="34" charset="0"/>
+              <a:buNone/>
+              <a:defRPr sz="813" kern="1200">
+                <a:solidFill>
+                  <a:schemeClr val="tx1"/>
+                </a:solidFill>
+                <a:latin typeface="+mn-lt"/>
+                <a:ea typeface="+mn-ea"/>
+                <a:cs typeface="+mn-cs"/>
+              </a:defRPr>
+            </a:lvl9pPr>
+          </a:lstStyle>
+          <a:p>
+            <a:r>
               <a:rPr lang="ko-KR" altLang="en-US" dirty="0"/>
-              <a:t>프로토타입 </a:t>
-            </a:r>
-            <a:r>
-              <a:rPr lang="en-US" altLang="ko-KR" dirty="0"/>
-              <a:t>– pc</a:t>
-            </a:r>
-            <a:endParaRPr lang="ko-KR" altLang="en-US" dirty="0"/>
-          </a:p>
-        </p:txBody>
-      </p:sp>
-      <p:sp>
-        <p:nvSpPr>
-          <p:cNvPr id="14" name="텍스트 개체 틀 13">
-            <a:extLst>
-              <a:ext uri="{FF2B5EF4-FFF2-40B4-BE49-F238E27FC236}">
-                <a16:creationId xmlns:a16="http://schemas.microsoft.com/office/drawing/2014/main" id="{17C4306D-7E7B-4CB9-853A-5093C3A07712}"/>
-              </a:ext>
-            </a:extLst>
-          </p:cNvPr>
-          <p:cNvSpPr>
-            <a:spLocks noGrp="1"/>
-          </p:cNvSpPr>
-          <p:nvPr>
-            <p:ph type="body" sz="half" idx="10"/>
-          </p:nvPr>
-        </p:nvSpPr>
-        <p:spPr/>
-        <p:txBody>
-          <a:bodyPr/>
-          <a:lstStyle/>
-          <a:p>
-            <a:r>
-              <a:rPr lang="ko-KR" altLang="en-US" dirty="0"/>
-              <a:t>프로토타입 </a:t>
-            </a:r>
-            <a:r>
-              <a:rPr lang="en-US" altLang="ko-KR" dirty="0"/>
-              <a:t>- step_02</a:t>
-            </a:r>
-            <a:endParaRPr lang="ko-KR" altLang="en-US" dirty="0"/>
+              <a:t>기본 폰트 및 사이즈 체크</a:t>
+            </a:r>
           </a:p>
         </p:txBody>
       </p:sp>
       <p:cxnSp>
         <p:nvCxnSpPr>
-          <p:cNvPr id="8" name="직선 연결선 7">
-            <a:extLst>
-              <a:ext uri="{FF2B5EF4-FFF2-40B4-BE49-F238E27FC236}">
-                <a16:creationId xmlns:a16="http://schemas.microsoft.com/office/drawing/2014/main" id="{0573D3D0-4032-4B18-B004-7426C51CAEAF}"/>
+          <p:cNvPr id="10" name="직선 연결선 9">
+            <a:extLst>
+              <a:ext uri="{FF2B5EF4-FFF2-40B4-BE49-F238E27FC236}">
+                <a16:creationId xmlns:a16="http://schemas.microsoft.com/office/drawing/2014/main" id="{E5EBBDB4-8016-4BEE-BA02-4A090E735A14}"/>
               </a:ext>
             </a:extLst>
           </p:cNvPr>
@@ -5776,9 +6255,9 @@
           <p:nvPr/>
         </p:nvCxnSpPr>
         <p:spPr>
-          <a:xfrm>
-            <a:off x="3417707" y="1734796"/>
-            <a:ext cx="0" cy="7809253"/>
+          <a:xfrm flipH="1">
+            <a:off x="128016" y="4953000"/>
+            <a:ext cx="6574538" cy="0"/>
           </a:xfrm>
           <a:prstGeom prst="line">
             <a:avLst/>
@@ -5799,6 +6278,203 @@
           </a:fontRef>
         </p:style>
       </p:cxnSp>
+      <p:sp>
+        <p:nvSpPr>
+          <p:cNvPr id="15" name="부제목 11">
+            <a:extLst>
+              <a:ext uri="{FF2B5EF4-FFF2-40B4-BE49-F238E27FC236}">
+                <a16:creationId xmlns:a16="http://schemas.microsoft.com/office/drawing/2014/main" id="{A8FB83EC-6D90-4157-BCEA-FD2F65E2AA9B}"/>
+              </a:ext>
+            </a:extLst>
+          </p:cNvPr>
+          <p:cNvSpPr txBox="1">
+            <a:spLocks/>
+          </p:cNvSpPr>
+          <p:nvPr/>
+        </p:nvSpPr>
+        <p:spPr>
+          <a:xfrm>
+            <a:off x="363510" y="5021835"/>
+            <a:ext cx="6191114" cy="242900"/>
+          </a:xfrm>
+          <a:prstGeom prst="rect">
+            <a:avLst/>
+          </a:prstGeom>
+        </p:spPr>
+        <p:txBody>
+          <a:bodyPr anchor="ctr"/>
+          <a:lstStyle>
+            <a:lvl1pPr marL="0" indent="0" algn="l" defTabSz="685800" rtl="0" eaLnBrk="1" latinLnBrk="1" hangingPunct="1">
+              <a:lnSpc>
+                <a:spcPct val="90000"/>
+              </a:lnSpc>
+              <a:spcBef>
+                <a:spcPts val="750"/>
+              </a:spcBef>
+              <a:buFont typeface="Arial" panose="020B0604020202020204" pitchFamily="34" charset="0"/>
+              <a:buNone/>
+              <a:defRPr sz="1200" b="1" kern="1200">
+                <a:solidFill>
+                  <a:srgbClr val="7F7F7F"/>
+                </a:solidFill>
+                <a:latin typeface="+mn-lt"/>
+                <a:ea typeface="+mn-ea"/>
+                <a:cs typeface="+mn-cs"/>
+              </a:defRPr>
+            </a:lvl1pPr>
+            <a:lvl2pPr marL="371466" indent="0" algn="ctr" defTabSz="685800" rtl="0" eaLnBrk="1" latinLnBrk="1" hangingPunct="1">
+              <a:lnSpc>
+                <a:spcPct val="90000"/>
+              </a:lnSpc>
+              <a:spcBef>
+                <a:spcPts val="375"/>
+              </a:spcBef>
+              <a:buFont typeface="Arial" panose="020B0604020202020204" pitchFamily="34" charset="0"/>
+              <a:buNone/>
+              <a:defRPr sz="1625" kern="1200">
+                <a:solidFill>
+                  <a:schemeClr val="tx1"/>
+                </a:solidFill>
+                <a:latin typeface="+mn-lt"/>
+                <a:ea typeface="+mn-ea"/>
+                <a:cs typeface="+mn-cs"/>
+              </a:defRPr>
+            </a:lvl2pPr>
+            <a:lvl3pPr marL="742931" indent="0" algn="ctr" defTabSz="685800" rtl="0" eaLnBrk="1" latinLnBrk="1" hangingPunct="1">
+              <a:lnSpc>
+                <a:spcPct val="90000"/>
+              </a:lnSpc>
+              <a:spcBef>
+                <a:spcPts val="375"/>
+              </a:spcBef>
+              <a:buFont typeface="Arial" panose="020B0604020202020204" pitchFamily="34" charset="0"/>
+              <a:buNone/>
+              <a:defRPr sz="1463" kern="1200">
+                <a:solidFill>
+                  <a:schemeClr val="tx1"/>
+                </a:solidFill>
+                <a:latin typeface="+mn-lt"/>
+                <a:ea typeface="+mn-ea"/>
+                <a:cs typeface="+mn-cs"/>
+              </a:defRPr>
+            </a:lvl3pPr>
+            <a:lvl4pPr marL="1114397" indent="0" algn="ctr" defTabSz="685800" rtl="0" eaLnBrk="1" latinLnBrk="1" hangingPunct="1">
+              <a:lnSpc>
+                <a:spcPct val="90000"/>
+              </a:lnSpc>
+              <a:spcBef>
+                <a:spcPts val="375"/>
+              </a:spcBef>
+              <a:buFont typeface="Arial" panose="020B0604020202020204" pitchFamily="34" charset="0"/>
+              <a:buNone/>
+              <a:defRPr sz="1300" kern="1200">
+                <a:solidFill>
+                  <a:schemeClr val="tx1"/>
+                </a:solidFill>
+                <a:latin typeface="+mn-lt"/>
+                <a:ea typeface="+mn-ea"/>
+                <a:cs typeface="+mn-cs"/>
+              </a:defRPr>
+            </a:lvl4pPr>
+            <a:lvl5pPr marL="1485863" indent="0" algn="ctr" defTabSz="685800" rtl="0" eaLnBrk="1" latinLnBrk="1" hangingPunct="1">
+              <a:lnSpc>
+                <a:spcPct val="90000"/>
+              </a:lnSpc>
+              <a:spcBef>
+                <a:spcPts val="375"/>
+              </a:spcBef>
+              <a:buFont typeface="Arial" panose="020B0604020202020204" pitchFamily="34" charset="0"/>
+              <a:buNone/>
+              <a:defRPr sz="1300" kern="1200">
+                <a:solidFill>
+                  <a:schemeClr val="tx1"/>
+                </a:solidFill>
+                <a:latin typeface="+mn-lt"/>
+                <a:ea typeface="+mn-ea"/>
+                <a:cs typeface="+mn-cs"/>
+              </a:defRPr>
+            </a:lvl5pPr>
+            <a:lvl6pPr marL="1857329" indent="0" algn="ctr" defTabSz="685800" rtl="0" eaLnBrk="1" latinLnBrk="1" hangingPunct="1">
+              <a:lnSpc>
+                <a:spcPct val="90000"/>
+              </a:lnSpc>
+              <a:spcBef>
+                <a:spcPts val="375"/>
+              </a:spcBef>
+              <a:buFont typeface="Arial" panose="020B0604020202020204" pitchFamily="34" charset="0"/>
+              <a:buNone/>
+              <a:defRPr sz="1300" kern="1200">
+                <a:solidFill>
+                  <a:schemeClr val="tx1"/>
+                </a:solidFill>
+                <a:latin typeface="+mn-lt"/>
+                <a:ea typeface="+mn-ea"/>
+                <a:cs typeface="+mn-cs"/>
+              </a:defRPr>
+            </a:lvl6pPr>
+            <a:lvl7pPr marL="2228794" indent="0" algn="ctr" defTabSz="685800" rtl="0" eaLnBrk="1" latinLnBrk="1" hangingPunct="1">
+              <a:lnSpc>
+                <a:spcPct val="90000"/>
+              </a:lnSpc>
+              <a:spcBef>
+                <a:spcPts val="375"/>
+              </a:spcBef>
+              <a:buFont typeface="Arial" panose="020B0604020202020204" pitchFamily="34" charset="0"/>
+              <a:buNone/>
+              <a:defRPr sz="1300" kern="1200">
+                <a:solidFill>
+                  <a:schemeClr val="tx1"/>
+                </a:solidFill>
+                <a:latin typeface="+mn-lt"/>
+                <a:ea typeface="+mn-ea"/>
+                <a:cs typeface="+mn-cs"/>
+              </a:defRPr>
+            </a:lvl7pPr>
+            <a:lvl8pPr marL="2600260" indent="0" algn="ctr" defTabSz="685800" rtl="0" eaLnBrk="1" latinLnBrk="1" hangingPunct="1">
+              <a:lnSpc>
+                <a:spcPct val="90000"/>
+              </a:lnSpc>
+              <a:spcBef>
+                <a:spcPts val="375"/>
+              </a:spcBef>
+              <a:buFont typeface="Arial" panose="020B0604020202020204" pitchFamily="34" charset="0"/>
+              <a:buNone/>
+              <a:defRPr sz="1300" kern="1200">
+                <a:solidFill>
+                  <a:schemeClr val="tx1"/>
+                </a:solidFill>
+                <a:latin typeface="+mn-lt"/>
+                <a:ea typeface="+mn-ea"/>
+                <a:cs typeface="+mn-cs"/>
+              </a:defRPr>
+            </a:lvl8pPr>
+            <a:lvl9pPr marL="2971726" indent="0" algn="ctr" defTabSz="685800" rtl="0" eaLnBrk="1" latinLnBrk="1" hangingPunct="1">
+              <a:lnSpc>
+                <a:spcPct val="90000"/>
+              </a:lnSpc>
+              <a:spcBef>
+                <a:spcPts val="375"/>
+              </a:spcBef>
+              <a:buFont typeface="Arial" panose="020B0604020202020204" pitchFamily="34" charset="0"/>
+              <a:buNone/>
+              <a:defRPr sz="1300" kern="1200">
+                <a:solidFill>
+                  <a:schemeClr val="tx1"/>
+                </a:solidFill>
+                <a:latin typeface="+mn-lt"/>
+                <a:ea typeface="+mn-ea"/>
+                <a:cs typeface="+mn-cs"/>
+              </a:defRPr>
+            </a:lvl9pPr>
+          </a:lstStyle>
+          <a:p>
+            <a:r>
+              <a:rPr lang="ko-KR" altLang="en-US" dirty="0"/>
+              <a:t>서체 스타일가이드</a:t>
+            </a:r>
+          </a:p>
+        </p:txBody>
+      </p:sp>
     </p:spTree>
     <p:extLst>
       <p:ext uri="{BB962C8B-B14F-4D97-AF65-F5344CB8AC3E}">
